--- a/presentations/From-CSOM-to-PnP-Libraries.pptx
+++ b/presentations/From-CSOM-to-PnP-Libraries.pptx
@@ -5,17 +5,18 @@
     <p:sldMasterId id="2147484668" r:id="rId4"/>
   </p:sldMasterIdLst>
   <p:notesMasterIdLst>
-    <p:notesMasterId r:id="rId10"/>
+    <p:notesMasterId r:id="rId11"/>
   </p:notesMasterIdLst>
   <p:handoutMasterIdLst>
-    <p:handoutMasterId r:id="rId11"/>
+    <p:handoutMasterId r:id="rId12"/>
   </p:handoutMasterIdLst>
   <p:sldIdLst>
     <p:sldId id="2076136178" r:id="rId5"/>
     <p:sldId id="2134805490" r:id="rId6"/>
-    <p:sldId id="2134805487" r:id="rId7"/>
-    <p:sldId id="2134805488" r:id="rId8"/>
-    <p:sldId id="2134805486" r:id="rId9"/>
+    <p:sldId id="2134805491" r:id="rId7"/>
+    <p:sldId id="2134805487" r:id="rId8"/>
+    <p:sldId id="2134805488" r:id="rId9"/>
+    <p:sldId id="2134805486" r:id="rId10"/>
   </p:sldIdLst>
   <p:sldSz cx="12436475" cy="6994525"/>
   <p:notesSz cx="6797675" cy="9928225"/>
@@ -257,7 +258,7 @@
               <a:rPr lang="en-US" smtClean="0">
                 <a:latin typeface="Segoe UI" pitchFamily="34" charset="0"/>
               </a:rPr>
-              <a:t>3/3/2023 4:25 PM</a:t>
+              <a:t>3/9/2023 10:20 AM</a:t>
             </a:fld>
             <a:endParaRPr lang="en-US">
               <a:latin typeface="Segoe UI" pitchFamily="34" charset="0"/>
@@ -535,7 +536,7 @@
           <a:p>
             <a:fld id="{D18B56EA-E28F-4F92-9F16-7A6F2501B303}" type="datetime8">
               <a:rPr lang="en-US" smtClean="0"/>
-              <a:t>3/3/2023 4:25 PM</a:t>
+              <a:t>3/9/2023 10:20 AM</a:t>
             </a:fld>
             <a:endParaRPr lang="en-US"/>
           </a:p>
@@ -906,7 +907,7 @@
           <a:p>
             <a:fld id="{D18B56EA-E28F-4F92-9F16-7A6F2501B303}" type="datetime8">
               <a:rPr lang="en-US" smtClean="0"/>
-              <a:t>3/3/2023 4:25 PM</a:t>
+              <a:t>3/9/2023 10:20 AM</a:t>
             </a:fld>
             <a:endParaRPr lang="en-US"/>
           </a:p>
@@ -930,7 +931,7 @@
             <a:fld id="{B4008EB6-D09E-4580-8CD6-DDB14511944F}" type="slidenum">
               <a:rPr lang="en-US" smtClean="0"/>
               <a:pPr/>
-              <a:t>3</a:t>
+              <a:t>4</a:t>
             </a:fld>
             <a:endParaRPr lang="en-US"/>
           </a:p>
@@ -1061,7 +1062,7 @@
                 <a:tabLst/>
                 <a:defRPr/>
               </a:pPr>
-              <a:t>4</a:t>
+              <a:t>5</a:t>
             </a:fld>
             <a:endParaRPr kumimoji="0" lang="it-IT" sz="1200" b="0" i="0" u="none" strike="noStrike" kern="1200" cap="none" spc="0" normalizeH="0" baseline="0" noProof="0">
               <a:ln>
@@ -1158,7 +1159,7 @@
           <a:p>
             <a:fld id="{3B5989A0-F5B0-44EC-B88D-0EEE05E88ACB}" type="slidenum">
               <a:rPr lang="it-IT" smtClean="0"/>
-              <a:t>5</a:t>
+              <a:t>6</a:t>
             </a:fld>
             <a:endParaRPr lang="it-IT"/>
           </a:p>
@@ -14055,7 +14056,7 @@
         <p:spPr>
           <a:xfrm>
             <a:off x="274638" y="1212850"/>
-            <a:ext cx="7867039" cy="5423023"/>
+            <a:ext cx="7867039" cy="5663089"/>
           </a:xfrm>
         </p:spPr>
         <p:txBody>
@@ -14068,42 +14069,49 @@
                   <a:schemeClr val="accent1"/>
                 </a:solidFill>
               </a:rPr>
-              <a:t>PnP Framework</a:t>
+              <a:t>Client Side Object Model (CSOM)</a:t>
             </a:r>
           </a:p>
           <a:p>
             <a:pPr lvl="1"/>
             <a:r>
               <a:rPr lang="en-US" sz="1800" dirty="0"/>
-              <a:t>Targets .NET Standard 2.0 and .NET 5.0/6.0/7.0</a:t>
+              <a:t>Used to target .NET Framework only</a:t>
+            </a:r>
+          </a:p>
+          <a:p>
+            <a:pPr lvl="2"/>
+            <a:r>
+              <a:rPr lang="en-US" sz="1600" dirty="0"/>
+              <a:t>And still does for SharePoint on-premises</a:t>
             </a:r>
           </a:p>
           <a:p>
             <a:pPr lvl="1"/>
             <a:r>
               <a:rPr lang="en-US" sz="1800" dirty="0"/>
-              <a:t>Cross-platform</a:t>
+              <a:t>Nowadays targets .NET Standard 2.0 and .NET 5.0/6.0/7.0</a:t>
+            </a:r>
+          </a:p>
+          <a:p>
+            <a:pPr lvl="2"/>
+            <a:r>
+              <a:rPr lang="en-US" sz="1600" dirty="0"/>
+              <a:t>For SharePoint Online Only</a:t>
             </a:r>
           </a:p>
           <a:p>
             <a:pPr lvl="1"/>
             <a:r>
               <a:rPr lang="en-US" sz="1800" dirty="0"/>
-              <a:t>SharePoint Online only</a:t>
+              <a:t>Somehow mimics the behavior of SharePoint Server Object Model</a:t>
             </a:r>
           </a:p>
           <a:p>
             <a:pPr lvl="1"/>
             <a:r>
               <a:rPr lang="en-US" sz="1800" dirty="0"/>
-              <a:t>Extends Client Side Object Model (CSOM) to make it more powerful</a:t>
-            </a:r>
-          </a:p>
-          <a:p>
-            <a:pPr lvl="1"/>
-            <a:r>
-              <a:rPr lang="en-US" sz="1800" dirty="0"/>
-              <a:t>Includes the PnP Provisioning Engine</a:t>
+              <a:t>Requires good knowledge and understanding of how SharePoint works</a:t>
             </a:r>
           </a:p>
           <a:p>
@@ -14117,65 +14125,25 @@
                   <a:schemeClr val="accent1"/>
                 </a:solidFill>
               </a:rPr>
-              <a:t>PnP Core SDK</a:t>
+              <a:t>Deeply used in SharePoint Add-in model</a:t>
             </a:r>
           </a:p>
           <a:p>
             <a:pPr lvl="1"/>
             <a:r>
               <a:rPr lang="en-US" sz="1800" dirty="0"/>
-              <a:t>Targets .NET Standard 2.0 and .NET 5.0/6.0/7.0</a:t>
+              <a:t>Provider hosted applications</a:t>
             </a:r>
           </a:p>
           <a:p>
             <a:pPr lvl="1"/>
             <a:r>
               <a:rPr lang="en-US" sz="1800" dirty="0"/>
-              <a:t>Cross-platform</a:t>
-            </a:r>
-          </a:p>
-          <a:p>
-            <a:pPr lvl="1"/>
-            <a:r>
-              <a:rPr lang="en-US" sz="1800" dirty="0"/>
-              <a:t>SharePoint Online only</a:t>
-            </a:r>
-          </a:p>
-          <a:p>
-            <a:pPr lvl="1"/>
-            <a:r>
-              <a:rPr lang="en-US" sz="1800" dirty="0"/>
-              <a:t>Modern architecture and development</a:t>
-            </a:r>
-          </a:p>
-          <a:p>
-            <a:pPr lvl="2"/>
-            <a:r>
-              <a:rPr lang="en-US" sz="1600" dirty="0"/>
-              <a:t>Dependency Injection</a:t>
-            </a:r>
-          </a:p>
-          <a:p>
-            <a:pPr lvl="2"/>
-            <a:r>
-              <a:rPr lang="en-US" sz="1600" dirty="0"/>
-              <a:t>Asynchronous programming</a:t>
-            </a:r>
-          </a:p>
-          <a:p>
-            <a:pPr lvl="2"/>
-            <a:r>
-              <a:rPr lang="en-US" sz="1600" dirty="0"/>
-              <a:t>Microsoft Graph first</a:t>
-            </a:r>
-          </a:p>
-          <a:p>
-            <a:pPr lvl="2"/>
-            <a:r>
-              <a:rPr lang="en-US" sz="1600" dirty="0"/>
-              <a:t>Optimized by default</a:t>
-            </a:r>
-            <a:endParaRPr lang="en-US" sz="3600" dirty="0"/>
+              <a:t>Back-end services with ACS app-only permissions</a:t>
+            </a:r>
+          </a:p>
+          <a:p>
+            <a:endParaRPr lang="en-US" sz="5600" dirty="0"/>
           </a:p>
         </p:txBody>
       </p:sp>
@@ -14204,7 +14172,7 @@
           <a:p>
             <a:r>
               <a:rPr lang="en-US" dirty="0"/>
-              <a:t>Understanding the PnP Libraries</a:t>
+              <a:t>Setting the context</a:t>
             </a:r>
           </a:p>
         </p:txBody>
@@ -14244,6 +14212,212 @@
       </p:grpSpPr>
       <p:sp>
         <p:nvSpPr>
+          <p:cNvPr id="2" name="Text Placeholder 1">
+            <a:extLst>
+              <a:ext uri="{FF2B5EF4-FFF2-40B4-BE49-F238E27FC236}">
+                <a16:creationId xmlns:a16="http://schemas.microsoft.com/office/drawing/2014/main" id="{7F176C90-46EF-B133-9DFB-D2AB56F11C97}"/>
+              </a:ext>
+            </a:extLst>
+          </p:cNvPr>
+          <p:cNvSpPr>
+            <a:spLocks noGrp="1"/>
+          </p:cNvSpPr>
+          <p:nvPr>
+            <p:ph type="body" sz="quarter" idx="10"/>
+          </p:nvPr>
+        </p:nvSpPr>
+        <p:spPr>
+          <a:xfrm>
+            <a:off x="274638" y="1212850"/>
+            <a:ext cx="7867039" cy="5423023"/>
+          </a:xfrm>
+        </p:spPr>
+        <p:txBody>
+          <a:bodyPr/>
+          <a:lstStyle/>
+          <a:p>
+            <a:r>
+              <a:rPr lang="en-US" sz="3600" dirty="0">
+                <a:solidFill>
+                  <a:schemeClr val="accent1"/>
+                </a:solidFill>
+              </a:rPr>
+              <a:t>PnP Framework</a:t>
+            </a:r>
+          </a:p>
+          <a:p>
+            <a:pPr lvl="1"/>
+            <a:r>
+              <a:rPr lang="en-US" sz="1800" dirty="0"/>
+              <a:t>Targets .NET Standard 2.0 and .NET 5.0/6.0/7.0</a:t>
+            </a:r>
+          </a:p>
+          <a:p>
+            <a:pPr lvl="1"/>
+            <a:r>
+              <a:rPr lang="en-US" sz="1800" dirty="0"/>
+              <a:t>Cross-platform</a:t>
+            </a:r>
+          </a:p>
+          <a:p>
+            <a:pPr lvl="1"/>
+            <a:r>
+              <a:rPr lang="en-US" sz="1800" dirty="0"/>
+              <a:t>SharePoint Online only</a:t>
+            </a:r>
+          </a:p>
+          <a:p>
+            <a:pPr lvl="1"/>
+            <a:r>
+              <a:rPr lang="en-US" sz="1800" dirty="0"/>
+              <a:t>Extends Client Side Object Model (CSOM) to make it more powerful</a:t>
+            </a:r>
+          </a:p>
+          <a:p>
+            <a:pPr lvl="1"/>
+            <a:r>
+              <a:rPr lang="en-US" sz="1800" dirty="0"/>
+              <a:t>Includes the PnP Provisioning Engine</a:t>
+            </a:r>
+          </a:p>
+          <a:p>
+            <a:pPr lvl="1"/>
+            <a:endParaRPr lang="en-US" sz="1800" dirty="0"/>
+          </a:p>
+          <a:p>
+            <a:r>
+              <a:rPr lang="en-US" sz="3600" dirty="0">
+                <a:solidFill>
+                  <a:schemeClr val="accent1"/>
+                </a:solidFill>
+              </a:rPr>
+              <a:t>PnP Core SDK</a:t>
+            </a:r>
+          </a:p>
+          <a:p>
+            <a:pPr lvl="1"/>
+            <a:r>
+              <a:rPr lang="en-US" sz="1800" dirty="0"/>
+              <a:t>Targets .NET Standard 2.0 and .NET 5.0/6.0/7.0</a:t>
+            </a:r>
+          </a:p>
+          <a:p>
+            <a:pPr lvl="1"/>
+            <a:r>
+              <a:rPr lang="en-US" sz="1800" dirty="0"/>
+              <a:t>Cross-platform</a:t>
+            </a:r>
+          </a:p>
+          <a:p>
+            <a:pPr lvl="1"/>
+            <a:r>
+              <a:rPr lang="en-US" sz="1800" dirty="0"/>
+              <a:t>SharePoint Online only</a:t>
+            </a:r>
+          </a:p>
+          <a:p>
+            <a:pPr lvl="1"/>
+            <a:r>
+              <a:rPr lang="en-US" sz="1800" dirty="0"/>
+              <a:t>Modern architecture and development</a:t>
+            </a:r>
+          </a:p>
+          <a:p>
+            <a:pPr lvl="2"/>
+            <a:r>
+              <a:rPr lang="en-US" sz="1600" dirty="0"/>
+              <a:t>Dependency Injection</a:t>
+            </a:r>
+          </a:p>
+          <a:p>
+            <a:pPr lvl="2"/>
+            <a:r>
+              <a:rPr lang="en-US" sz="1600" dirty="0"/>
+              <a:t>Asynchronous programming</a:t>
+            </a:r>
+          </a:p>
+          <a:p>
+            <a:pPr lvl="2"/>
+            <a:r>
+              <a:rPr lang="en-US" sz="1600" dirty="0"/>
+              <a:t>Microsoft Graph first</a:t>
+            </a:r>
+          </a:p>
+          <a:p>
+            <a:pPr lvl="2"/>
+            <a:r>
+              <a:rPr lang="en-US" sz="1600" dirty="0"/>
+              <a:t>Optimized by default</a:t>
+            </a:r>
+            <a:endParaRPr lang="en-US" sz="3600" dirty="0"/>
+          </a:p>
+        </p:txBody>
+      </p:sp>
+      <p:sp>
+        <p:nvSpPr>
+          <p:cNvPr id="3" name="Title 2">
+            <a:extLst>
+              <a:ext uri="{FF2B5EF4-FFF2-40B4-BE49-F238E27FC236}">
+                <a16:creationId xmlns:a16="http://schemas.microsoft.com/office/drawing/2014/main" id="{EE44486B-9394-D4CF-2B47-43579BCB5399}"/>
+              </a:ext>
+            </a:extLst>
+          </p:cNvPr>
+          <p:cNvSpPr>
+            <a:spLocks noGrp="1"/>
+          </p:cNvSpPr>
+          <p:nvPr>
+            <p:ph type="title"/>
+          </p:nvPr>
+        </p:nvSpPr>
+        <p:spPr/>
+        <p:txBody>
+          <a:bodyPr>
+            <a:normAutofit/>
+          </a:bodyPr>
+          <a:lstStyle/>
+          <a:p>
+            <a:r>
+              <a:rPr lang="en-US" dirty="0"/>
+              <a:t>Understanding the PnP Libraries</a:t>
+            </a:r>
+          </a:p>
+        </p:txBody>
+      </p:sp>
+    </p:spTree>
+    <p:extLst>
+      <p:ext uri="{BB962C8B-B14F-4D97-AF65-F5344CB8AC3E}">
+        <p14:creationId xmlns:p14="http://schemas.microsoft.com/office/powerpoint/2010/main" val="906062548"/>
+      </p:ext>
+    </p:extLst>
+  </p:cSld>
+  <p:clrMapOvr>
+    <a:masterClrMapping/>
+  </p:clrMapOvr>
+  <p:transition>
+    <p:fade/>
+  </p:transition>
+</p:sld>
+</file>
+
+<file path=ppt/slides/slide4.xml><?xml version="1.0" encoding="utf-8"?>
+<p:sld xmlns:a="http://schemas.openxmlformats.org/drawingml/2006/main" xmlns:r="http://schemas.openxmlformats.org/officeDocument/2006/relationships" xmlns:p="http://schemas.openxmlformats.org/presentationml/2006/main">
+  <p:cSld>
+    <p:spTree>
+      <p:nvGrpSpPr>
+        <p:cNvPr id="1" name=""/>
+        <p:cNvGrpSpPr/>
+        <p:nvPr/>
+      </p:nvGrpSpPr>
+      <p:grpSpPr>
+        <a:xfrm>
+          <a:off x="0" y="0"/>
+          <a:ext cx="0" cy="0"/>
+          <a:chOff x="0" y="0"/>
+          <a:chExt cx="0" cy="0"/>
+        </a:xfrm>
+      </p:grpSpPr>
+      <p:sp>
+        <p:nvSpPr>
           <p:cNvPr id="6" name="Title 5">
             <a:extLst>
               <a:ext uri="{FF2B5EF4-FFF2-40B4-BE49-F238E27FC236}">
@@ -14323,7 +14497,7 @@
 </p:sld>
 </file>
 
-<file path=ppt/slides/slide4.xml><?xml version="1.0" encoding="utf-8"?>
+<file path=ppt/slides/slide5.xml><?xml version="1.0" encoding="utf-8"?>
 <p:sld xmlns:a="http://schemas.openxmlformats.org/drawingml/2006/main" xmlns:r="http://schemas.openxmlformats.org/officeDocument/2006/relationships" xmlns:p="http://schemas.openxmlformats.org/presentationml/2006/main">
   <p:cSld>
     <p:spTree>
@@ -14473,7 +14647,7 @@
 </p:sld>
 </file>
 
-<file path=ppt/slides/slide5.xml><?xml version="1.0" encoding="utf-8"?>
+<file path=ppt/slides/slide6.xml><?xml version="1.0" encoding="utf-8"?>
 <p:sld xmlns:a="http://schemas.openxmlformats.org/drawingml/2006/main" xmlns:r="http://schemas.openxmlformats.org/officeDocument/2006/relationships" xmlns:p="http://schemas.openxmlformats.org/presentationml/2006/main">
   <p:cSld>
     <p:bg>
@@ -15483,15 +15657,12 @@
 </file>
 
 <file path=customXml/item1.xml><?xml version="1.0" encoding="utf-8"?>
-<p:properties xmlns:p="http://schemas.microsoft.com/office/2006/metadata/properties" xmlns:xsi="http://www.w3.org/2001/XMLSchema-instance" xmlns:pc="http://schemas.microsoft.com/office/infopath/2007/PartnerControls">
-  <documentManagement>
-    <MediaServiceKeyPoints xmlns="ed971524-76e7-40a8-a01a-f99956bd178c" xsi:nil="true"/>
-    <lcf76f155ced4ddcb4097134ff3c332f xmlns="ed971524-76e7-40a8-a01a-f99956bd178c">
-      <Terms xmlns="http://schemas.microsoft.com/office/infopath/2007/PartnerControls"/>
-    </lcf76f155ced4ddcb4097134ff3c332f>
-    <TaxCatchAll xmlns="230e9df3-be65-4c73-a93b-d1236ebd677e" xsi:nil="true"/>
-  </documentManagement>
-</p:properties>
+<?mso-contentType ?>
+<FormTemplates xmlns="http://schemas.microsoft.com/sharepoint/v3/contenttype/forms">
+  <Display>DocumentLibraryForm</Display>
+  <Edit>DocumentLibraryForm</Edit>
+  <New>DocumentLibraryForm</New>
+</FormTemplates>
 </file>
 
 <file path=customXml/item2.xml><?xml version="1.0" encoding="utf-8"?>
@@ -15737,28 +15908,21 @@
 </file>
 
 <file path=customXml/item3.xml><?xml version="1.0" encoding="utf-8"?>
-<?mso-contentType ?>
-<FormTemplates xmlns="http://schemas.microsoft.com/sharepoint/v3/contenttype/forms">
-  <Display>DocumentLibraryForm</Display>
-  <Edit>DocumentLibraryForm</Edit>
-  <New>DocumentLibraryForm</New>
-</FormTemplates>
+<p:properties xmlns:p="http://schemas.microsoft.com/office/2006/metadata/properties" xmlns:xsi="http://www.w3.org/2001/XMLSchema-instance" xmlns:pc="http://schemas.microsoft.com/office/infopath/2007/PartnerControls">
+  <documentManagement>
+    <MediaServiceKeyPoints xmlns="ed971524-76e7-40a8-a01a-f99956bd178c" xsi:nil="true"/>
+    <lcf76f155ced4ddcb4097134ff3c332f xmlns="ed971524-76e7-40a8-a01a-f99956bd178c">
+      <Terms xmlns="http://schemas.microsoft.com/office/infopath/2007/PartnerControls"/>
+    </lcf76f155ced4ddcb4097134ff3c332f>
+    <TaxCatchAll xmlns="230e9df3-be65-4c73-a93b-d1236ebd677e" xsi:nil="true"/>
+  </documentManagement>
+</p:properties>
 </file>
 
 <file path=customXml/itemProps1.xml><?xml version="1.0" encoding="utf-8"?>
-<ds:datastoreItem xmlns:ds="http://schemas.openxmlformats.org/officeDocument/2006/customXml" ds:itemID="{F990F116-B58F-4255-B05B-DA3808E0E5C6}">
+<ds:datastoreItem xmlns:ds="http://schemas.openxmlformats.org/officeDocument/2006/customXml" ds:itemID="{758FDAC0-319D-4A54-8D8E-1D42CB1F8004}">
   <ds:schemaRefs>
-    <ds:schemaRef ds:uri="http://purl.org/dc/dcmitype/"/>
-    <ds:schemaRef ds:uri="http://schemas.microsoft.com/office/2006/metadata/properties"/>
-    <ds:schemaRef ds:uri="b0e4521d-181b-4aee-b4a8-952b2bc14729"/>
-    <ds:schemaRef ds:uri="http://www.w3.org/XML/1998/namespace"/>
-    <ds:schemaRef ds:uri="http://purl.org/dc/terms/"/>
-    <ds:schemaRef ds:uri="http://schemas.microsoft.com/office/2006/documentManagement/types"/>
-    <ds:schemaRef ds:uri="http://purl.org/dc/elements/1.1/"/>
-    <ds:schemaRef ds:uri="230e9df3-be65-4c73-a93b-d1236ebd677e"/>
-    <ds:schemaRef ds:uri="http://schemas.microsoft.com/office/infopath/2007/PartnerControls"/>
-    <ds:schemaRef ds:uri="http://schemas.openxmlformats.org/package/2006/metadata/core-properties"/>
-    <ds:schemaRef ds:uri="ed971524-76e7-40a8-a01a-f99956bd178c"/>
+    <ds:schemaRef ds:uri="http://schemas.microsoft.com/sharepoint/v3/contenttype/forms"/>
   </ds:schemaRefs>
 </ds:datastoreItem>
 </file>
@@ -15784,9 +15948,19 @@
 </file>
 
 <file path=customXml/itemProps3.xml><?xml version="1.0" encoding="utf-8"?>
-<ds:datastoreItem xmlns:ds="http://schemas.openxmlformats.org/officeDocument/2006/customXml" ds:itemID="{758FDAC0-319D-4A54-8D8E-1D42CB1F8004}">
+<ds:datastoreItem xmlns:ds="http://schemas.openxmlformats.org/officeDocument/2006/customXml" ds:itemID="{F990F116-B58F-4255-B05B-DA3808E0E5C6}">
   <ds:schemaRefs>
-    <ds:schemaRef ds:uri="http://schemas.microsoft.com/sharepoint/v3/contenttype/forms"/>
+    <ds:schemaRef ds:uri="http://purl.org/dc/dcmitype/"/>
+    <ds:schemaRef ds:uri="http://schemas.microsoft.com/office/2006/metadata/properties"/>
+    <ds:schemaRef ds:uri="b0e4521d-181b-4aee-b4a8-952b2bc14729"/>
+    <ds:schemaRef ds:uri="http://www.w3.org/XML/1998/namespace"/>
+    <ds:schemaRef ds:uri="http://purl.org/dc/terms/"/>
+    <ds:schemaRef ds:uri="http://schemas.microsoft.com/office/2006/documentManagement/types"/>
+    <ds:schemaRef ds:uri="http://purl.org/dc/elements/1.1/"/>
+    <ds:schemaRef ds:uri="230e9df3-be65-4c73-a93b-d1236ebd677e"/>
+    <ds:schemaRef ds:uri="http://schemas.microsoft.com/office/infopath/2007/PartnerControls"/>
+    <ds:schemaRef ds:uri="http://schemas.openxmlformats.org/package/2006/metadata/core-properties"/>
+    <ds:schemaRef ds:uri="ed971524-76e7-40a8-a01a-f99956bd178c"/>
   </ds:schemaRefs>
 </ds:datastoreItem>
 </file>
